--- a/ggplot2.pptx
+++ b/ggplot2.pptx
@@ -5,10 +5,10 @@
     <p:sldMasterId id="2147483724" r:id="rId4"/>
   </p:sldMasterIdLst>
   <p:notesMasterIdLst>
-    <p:notesMasterId r:id="rId20"/>
+    <p:notesMasterId r:id="rId22"/>
   </p:notesMasterIdLst>
   <p:handoutMasterIdLst>
-    <p:handoutMasterId r:id="rId21"/>
+    <p:handoutMasterId r:id="rId23"/>
   </p:handoutMasterIdLst>
   <p:sldIdLst>
     <p:sldId id="256" r:id="rId5"/>
@@ -22,10 +22,12 @@
     <p:sldId id="390" r:id="rId13"/>
     <p:sldId id="383" r:id="rId14"/>
     <p:sldId id="384" r:id="rId15"/>
-    <p:sldId id="386" r:id="rId16"/>
-    <p:sldId id="387" r:id="rId17"/>
-    <p:sldId id="388" r:id="rId18"/>
-    <p:sldId id="379" r:id="rId19"/>
+    <p:sldId id="393" r:id="rId16"/>
+    <p:sldId id="394" r:id="rId17"/>
+    <p:sldId id="386" r:id="rId18"/>
+    <p:sldId id="387" r:id="rId19"/>
+    <p:sldId id="388" r:id="rId20"/>
+    <p:sldId id="379" r:id="rId21"/>
   </p:sldIdLst>
   <p:sldSz cx="12192000" cy="6858000"/>
   <p:notesSz cx="7010400" cy="9296400"/>
@@ -274,7 +276,7 @@
           <a:p>
             <a:fld id="{82DBDA99-5169-4A9C-A7A4-950C8A091FC1}" type="datetimeFigureOut">
               <a:rPr lang="en-US" smtClean="0"/>
-              <a:t>3/7/2020</a:t>
+              <a:t>3/8/2020</a:t>
             </a:fld>
             <a:endParaRPr lang="en-US" dirty="0"/>
           </a:p>
@@ -467,7 +469,7 @@
               <a:pPr>
                 <a:defRPr/>
               </a:pPr>
-              <a:t>2020-03-07</a:t>
+              <a:t>2020-03-08</a:t>
             </a:fld>
             <a:endParaRPr lang="en-CA" dirty="0"/>
           </a:p>
@@ -3623,6 +3625,299 @@
           <p:cNvPr id="2" name="Title 1">
             <a:extLst>
               <a:ext uri="{FF2B5EF4-FFF2-40B4-BE49-F238E27FC236}">
+                <a16:creationId xmlns:a16="http://schemas.microsoft.com/office/drawing/2014/main" id="{9A1CA6A2-91B5-4130-9372-85F7112E6909}"/>
+              </a:ext>
+            </a:extLst>
+          </p:cNvPr>
+          <p:cNvSpPr>
+            <a:spLocks noGrp="1"/>
+          </p:cNvSpPr>
+          <p:nvPr>
+            <p:ph type="title"/>
+          </p:nvPr>
+        </p:nvSpPr>
+        <p:spPr/>
+        <p:txBody>
+          <a:bodyPr/>
+          <a:lstStyle/>
+          <a:p>
+            <a:r>
+              <a:rPr lang="en-US" dirty="0"/>
+              <a:t>To Cover</a:t>
+            </a:r>
+            <a:endParaRPr lang="en-CA" dirty="0"/>
+          </a:p>
+        </p:txBody>
+      </p:sp>
+      <p:pic>
+        <p:nvPicPr>
+          <p:cNvPr id="4" name="Picture 3">
+            <a:extLst>
+              <a:ext uri="{FF2B5EF4-FFF2-40B4-BE49-F238E27FC236}">
+                <a16:creationId xmlns:a16="http://schemas.microsoft.com/office/drawing/2014/main" id="{0B20250E-8099-427F-ADE6-95F773F4BB97}"/>
+              </a:ext>
+            </a:extLst>
+          </p:cNvPr>
+          <p:cNvPicPr>
+            <a:picLocks noChangeAspect="1"/>
+          </p:cNvPicPr>
+          <p:nvPr/>
+        </p:nvPicPr>
+        <p:blipFill>
+          <a:blip r:embed="rId2"/>
+          <a:stretch>
+            <a:fillRect/>
+          </a:stretch>
+        </p:blipFill>
+        <p:spPr>
+          <a:xfrm>
+            <a:off x="4667250" y="-163759"/>
+            <a:ext cx="7524750" cy="7021759"/>
+          </a:xfrm>
+          <a:prstGeom prst="rect">
+            <a:avLst/>
+          </a:prstGeom>
+        </p:spPr>
+      </p:pic>
+    </p:spTree>
+    <p:extLst>
+      <p:ext uri="{BB962C8B-B14F-4D97-AF65-F5344CB8AC3E}">
+        <p14:creationId xmlns:p14="http://schemas.microsoft.com/office/powerpoint/2010/main" val="2727729557"/>
+      </p:ext>
+    </p:extLst>
+  </p:cSld>
+  <p:clrMapOvr>
+    <a:masterClrMapping/>
+  </p:clrMapOvr>
+</p:sld>
+</file>
+
+<file path=ppt/slides/slide13.xml><?xml version="1.0" encoding="utf-8"?>
+<p:sld xmlns:a="http://schemas.openxmlformats.org/drawingml/2006/main" xmlns:r="http://schemas.openxmlformats.org/officeDocument/2006/relationships" xmlns:p="http://schemas.openxmlformats.org/presentationml/2006/main">
+  <p:cSld>
+    <p:spTree>
+      <p:nvGrpSpPr>
+        <p:cNvPr id="1" name=""/>
+        <p:cNvGrpSpPr/>
+        <p:nvPr/>
+      </p:nvGrpSpPr>
+      <p:grpSpPr>
+        <a:xfrm>
+          <a:off x="0" y="0"/>
+          <a:ext cx="0" cy="0"/>
+          <a:chOff x="0" y="0"/>
+          <a:chExt cx="0" cy="0"/>
+        </a:xfrm>
+      </p:grpSpPr>
+      <p:sp>
+        <p:nvSpPr>
+          <p:cNvPr id="2" name="Title 1">
+            <a:extLst>
+              <a:ext uri="{FF2B5EF4-FFF2-40B4-BE49-F238E27FC236}">
+                <a16:creationId xmlns:a16="http://schemas.microsoft.com/office/drawing/2014/main" id="{716501E8-96EB-431C-B8D1-D4868F6C8313}"/>
+              </a:ext>
+            </a:extLst>
+          </p:cNvPr>
+          <p:cNvSpPr>
+            <a:spLocks noGrp="1"/>
+          </p:cNvSpPr>
+          <p:nvPr>
+            <p:ph type="title"/>
+          </p:nvPr>
+        </p:nvSpPr>
+        <p:spPr/>
+        <p:txBody>
+          <a:bodyPr/>
+          <a:lstStyle/>
+          <a:p>
+            <a:r>
+              <a:rPr lang="en-US" dirty="0"/>
+              <a:t>Aesthetics Make a Difference</a:t>
+            </a:r>
+            <a:endParaRPr lang="en-CA" dirty="0"/>
+          </a:p>
+        </p:txBody>
+      </p:sp>
+      <p:pic>
+        <p:nvPicPr>
+          <p:cNvPr id="4" name="Picture 2" descr="Image result for wes anderson color palette">
+            <a:extLst>
+              <a:ext uri="{FF2B5EF4-FFF2-40B4-BE49-F238E27FC236}">
+                <a16:creationId xmlns:a16="http://schemas.microsoft.com/office/drawing/2014/main" id="{8F9945FF-A068-48FA-8E0F-05CB98DA3F5D}"/>
+              </a:ext>
+            </a:extLst>
+          </p:cNvPr>
+          <p:cNvPicPr>
+            <a:picLocks noChangeAspect="1" noChangeArrowheads="1"/>
+          </p:cNvPicPr>
+          <p:nvPr/>
+        </p:nvPicPr>
+        <p:blipFill>
+          <a:blip r:embed="rId2">
+            <a:extLst>
+              <a:ext uri="{28A0092B-C50C-407E-A947-70E740481C1C}">
+                <a14:useLocalDpi xmlns:a14="http://schemas.microsoft.com/office/drawing/2010/main" val="0"/>
+              </a:ext>
+            </a:extLst>
+          </a:blip>
+          <a:srcRect/>
+          <a:stretch>
+            <a:fillRect/>
+          </a:stretch>
+        </p:blipFill>
+        <p:spPr bwMode="auto">
+          <a:xfrm>
+            <a:off x="7305041" y="901239"/>
+            <a:ext cx="4886960" cy="5956762"/>
+          </a:xfrm>
+          <a:prstGeom prst="rect">
+            <a:avLst/>
+          </a:prstGeom>
+          <a:noFill/>
+          <a:ln>
+            <a:noFill/>
+          </a:ln>
+          <a:extLst>
+            <a:ext uri="{909E8E84-426E-40DD-AFC4-6F175D3DCCD1}">
+              <a14:hiddenFill xmlns:a14="http://schemas.microsoft.com/office/drawing/2010/main">
+                <a:solidFill>
+                  <a:srgbClr val="FFFFFF"/>
+                </a:solidFill>
+              </a14:hiddenFill>
+            </a:ext>
+            <a:ext uri="{91240B29-F687-4F45-9708-019B960494DF}">
+              <a14:hiddenLine xmlns:a14="http://schemas.microsoft.com/office/drawing/2010/main" w="9525">
+                <a:solidFill>
+                  <a:srgbClr val="000000"/>
+                </a:solidFill>
+                <a:miter lim="800000"/>
+                <a:headEnd/>
+                <a:tailEnd/>
+              </a14:hiddenLine>
+            </a:ext>
+          </a:extLst>
+        </p:spPr>
+      </p:pic>
+      <p:pic>
+        <p:nvPicPr>
+          <p:cNvPr id="5" name="Content Placeholder 4" descr="Image result for wes anderson color palette darjeelings">
+            <a:extLst>
+              <a:ext uri="{FF2B5EF4-FFF2-40B4-BE49-F238E27FC236}">
+                <a16:creationId xmlns:a16="http://schemas.microsoft.com/office/drawing/2014/main" id="{B54DA8C0-EFFE-48A6-A506-30C3D7556C61}"/>
+              </a:ext>
+            </a:extLst>
+          </p:cNvPr>
+          <p:cNvPicPr>
+            <a:picLocks noGrp="1" noChangeAspect="1" noChangeArrowheads="1"/>
+          </p:cNvPicPr>
+          <p:nvPr>
+            <p:ph idx="1"/>
+          </p:nvPr>
+        </p:nvPicPr>
+        <p:blipFill>
+          <a:blip r:embed="rId3">
+            <a:extLst>
+              <a:ext uri="{28A0092B-C50C-407E-A947-70E740481C1C}">
+                <a14:useLocalDpi xmlns:a14="http://schemas.microsoft.com/office/drawing/2010/main" val="0"/>
+              </a:ext>
+            </a:extLst>
+          </a:blip>
+          <a:srcRect/>
+          <a:stretch>
+            <a:fillRect/>
+          </a:stretch>
+        </p:blipFill>
+        <p:spPr bwMode="auto">
+          <a:xfrm>
+            <a:off x="1503680" y="2096401"/>
+            <a:ext cx="4328160" cy="2629958"/>
+          </a:xfrm>
+          <a:prstGeom prst="rect">
+            <a:avLst/>
+          </a:prstGeom>
+          <a:noFill/>
+          <a:extLst>
+            <a:ext uri="{909E8E84-426E-40DD-AFC4-6F175D3DCCD1}">
+              <a14:hiddenFill xmlns:a14="http://schemas.microsoft.com/office/drawing/2010/main">
+                <a:solidFill>
+                  <a:srgbClr val="FFFFFF"/>
+                </a:solidFill>
+              </a14:hiddenFill>
+            </a:ext>
+          </a:extLst>
+        </p:spPr>
+      </p:pic>
+      <p:sp>
+        <p:nvSpPr>
+          <p:cNvPr id="6" name="TextBox 5">
+            <a:extLst>
+              <a:ext uri="{FF2B5EF4-FFF2-40B4-BE49-F238E27FC236}">
+                <a16:creationId xmlns:a16="http://schemas.microsoft.com/office/drawing/2014/main" id="{5656AD9C-1540-4911-B32E-13F80038E0C8}"/>
+              </a:ext>
+            </a:extLst>
+          </p:cNvPr>
+          <p:cNvSpPr txBox="1"/>
+          <p:nvPr/>
+        </p:nvSpPr>
+        <p:spPr>
+          <a:xfrm>
+            <a:off x="609600" y="5120640"/>
+            <a:ext cx="6339840" cy="369332"/>
+          </a:xfrm>
+          <a:prstGeom prst="rect">
+            <a:avLst/>
+          </a:prstGeom>
+          <a:noFill/>
+        </p:spPr>
+        <p:txBody>
+          <a:bodyPr wrap="square" rtlCol="0">
+            <a:spAutoFit/>
+          </a:bodyPr>
+          <a:lstStyle/>
+          <a:p>
+            <a:r>
+              <a:rPr lang="en-US" dirty="0"/>
+              <a:t>See also: Edward Tufte – The Visual Display of Information</a:t>
+            </a:r>
+            <a:endParaRPr lang="en-CA" dirty="0"/>
+          </a:p>
+        </p:txBody>
+      </p:sp>
+    </p:spTree>
+    <p:extLst>
+      <p:ext uri="{BB962C8B-B14F-4D97-AF65-F5344CB8AC3E}">
+        <p14:creationId xmlns:p14="http://schemas.microsoft.com/office/powerpoint/2010/main" val="1561470359"/>
+      </p:ext>
+    </p:extLst>
+  </p:cSld>
+  <p:clrMapOvr>
+    <a:masterClrMapping/>
+  </p:clrMapOvr>
+</p:sld>
+</file>
+
+<file path=ppt/slides/slide14.xml><?xml version="1.0" encoding="utf-8"?>
+<p:sld xmlns:a="http://schemas.openxmlformats.org/drawingml/2006/main" xmlns:r="http://schemas.openxmlformats.org/officeDocument/2006/relationships" xmlns:p="http://schemas.openxmlformats.org/presentationml/2006/main">
+  <p:cSld>
+    <p:spTree>
+      <p:nvGrpSpPr>
+        <p:cNvPr id="1" name=""/>
+        <p:cNvGrpSpPr/>
+        <p:nvPr/>
+      </p:nvGrpSpPr>
+      <p:grpSpPr>
+        <a:xfrm>
+          <a:off x="0" y="0"/>
+          <a:ext cx="0" cy="0"/>
+          <a:chOff x="0" y="0"/>
+          <a:chExt cx="0" cy="0"/>
+        </a:xfrm>
+      </p:grpSpPr>
+      <p:sp>
+        <p:nvSpPr>
+          <p:cNvPr id="2" name="Title 1">
+            <a:extLst>
+              <a:ext uri="{FF2B5EF4-FFF2-40B4-BE49-F238E27FC236}">
                 <a16:creationId xmlns:a16="http://schemas.microsoft.com/office/drawing/2014/main" id="{CC3C2550-37D3-4D13-885E-D5C395513A1D}"/>
               </a:ext>
             </a:extLst>
@@ -3898,7 +4193,7 @@
 </p:sld>
 </file>
 
-<file path=ppt/slides/slide13.xml><?xml version="1.0" encoding="utf-8"?>
+<file path=ppt/slides/slide15.xml><?xml version="1.0" encoding="utf-8"?>
 <p:sld xmlns:a="http://schemas.openxmlformats.org/drawingml/2006/main" xmlns:r="http://schemas.openxmlformats.org/officeDocument/2006/relationships" xmlns:p="http://schemas.openxmlformats.org/presentationml/2006/main">
   <p:cSld>
     <p:spTree>
@@ -4008,7 +4303,7 @@
 </p:sld>
 </file>
 
-<file path=ppt/slides/slide14.xml><?xml version="1.0" encoding="utf-8"?>
+<file path=ppt/slides/slide16.xml><?xml version="1.0" encoding="utf-8"?>
 <p:sld xmlns:a="http://schemas.openxmlformats.org/drawingml/2006/main" xmlns:r="http://schemas.openxmlformats.org/officeDocument/2006/relationships" xmlns:p="http://schemas.openxmlformats.org/presentationml/2006/main">
   <p:cSld>
     <p:spTree>
@@ -4116,7 +4411,7 @@
 </p:sld>
 </file>
 
-<file path=ppt/slides/slide15.xml><?xml version="1.0" encoding="utf-8"?>
+<file path=ppt/slides/slide17.xml><?xml version="1.0" encoding="utf-8"?>
 <p:sld xmlns:a="http://schemas.openxmlformats.org/drawingml/2006/main" xmlns:r="http://schemas.openxmlformats.org/officeDocument/2006/relationships" xmlns:p="http://schemas.openxmlformats.org/presentationml/2006/main">
   <p:cSld>
     <p:spTree>
@@ -6575,15 +6870,6 @@
 </file>
 
 <file path=customXml/item1.xml><?xml version="1.0" encoding="utf-8"?>
-<?mso-contentType ?>
-<FormTemplates xmlns="http://schemas.microsoft.com/sharepoint/v3/contenttype/forms">
-  <Display>DocumentLibraryForm</Display>
-  <Edit>DocumentLibraryForm</Edit>
-  <New>DocumentLibraryForm</New>
-</FormTemplates>
-</file>
-
-<file path=customXml/item2.xml><?xml version="1.0" encoding="utf-8"?>
 <ct:contentTypeSchema xmlns:ct="http://schemas.microsoft.com/office/2006/metadata/contentType" xmlns:ma="http://schemas.microsoft.com/office/2006/metadata/properties/metaAttributes" ct:_="" ma:_="" ma:contentTypeName="Document" ma:contentTypeID="0x0101009864144B6C42D14EB4AEAABAEB9D87B0" ma:contentTypeVersion="5" ma:contentTypeDescription="Create a new document." ma:contentTypeScope="" ma:versionID="288de17885dd9a21d51d244cb6656699">
   <xsd:schema xmlns:xsd="http://www.w3.org/2001/XMLSchema" xmlns:xs="http://www.w3.org/2001/XMLSchema" xmlns:p="http://schemas.microsoft.com/office/2006/metadata/properties" xmlns:ns2="7bb0e64d-0ab3-40d1-8fbc-ea606e778350" xmlns:ns3="f3a813e8-0d23-4a84-a510-d336756bac31" targetNamespace="http://schemas.microsoft.com/office/2006/metadata/properties" ma:root="true" ma:fieldsID="8f46239d3dbece23a612e00f4f20071a" ns2:_="" ns3:_="">
     <xsd:import namespace="7bb0e64d-0ab3-40d1-8fbc-ea606e778350"/>
@@ -6756,6 +7042,15 @@
 </ct:contentTypeSchema>
 </file>
 
+<file path=customXml/item2.xml><?xml version="1.0" encoding="utf-8"?>
+<?mso-contentType ?>
+<FormTemplates xmlns="http://schemas.microsoft.com/sharepoint/v3/contenttype/forms">
+  <Display>DocumentLibraryForm</Display>
+  <Edit>DocumentLibraryForm</Edit>
+  <New>DocumentLibraryForm</New>
+</FormTemplates>
+</file>
+
 <file path=customXml/item3.xml><?xml version="1.0" encoding="utf-8"?>
 <p:properties xmlns:p="http://schemas.microsoft.com/office/2006/metadata/properties" xmlns:xsi="http://www.w3.org/2001/XMLSchema-instance" xmlns:pc="http://schemas.microsoft.com/office/infopath/2007/PartnerControls">
   <documentManagement>
@@ -6765,14 +7060,6 @@
 </file>
 
 <file path=customXml/itemProps1.xml><?xml version="1.0" encoding="utf-8"?>
-<ds:datastoreItem xmlns:ds="http://schemas.openxmlformats.org/officeDocument/2006/customXml" ds:itemID="{E3C0AE8B-A1F4-4CF3-8239-DDECFB9423A4}">
-  <ds:schemaRefs>
-    <ds:schemaRef ds:uri="http://schemas.microsoft.com/sharepoint/v3/contenttype/forms"/>
-  </ds:schemaRefs>
-</ds:datastoreItem>
-</file>
-
-<file path=customXml/itemProps2.xml><?xml version="1.0" encoding="utf-8"?>
 <ds:datastoreItem xmlns:ds="http://schemas.openxmlformats.org/officeDocument/2006/customXml" ds:itemID="{908E141F-0290-48A9-939D-A1224A5955EE}">
   <ds:schemaRefs>
     <ds:schemaRef ds:uri="http://schemas.microsoft.com/office/2006/metadata/contentType"/>
@@ -6787,6 +7074,14 @@
     <ds:schemaRef ds:uri="http://purl.org/dc/elements/1.1/"/>
     <ds:schemaRef ds:uri="http://purl.org/dc/terms/"/>
     <ds:schemaRef ds:uri="http://schemas.microsoft.com/internal/obd"/>
+  </ds:schemaRefs>
+</ds:datastoreItem>
+</file>
+
+<file path=customXml/itemProps2.xml><?xml version="1.0" encoding="utf-8"?>
+<ds:datastoreItem xmlns:ds="http://schemas.openxmlformats.org/officeDocument/2006/customXml" ds:itemID="{E3C0AE8B-A1F4-4CF3-8239-DDECFB9423A4}">
+  <ds:schemaRefs>
+    <ds:schemaRef ds:uri="http://schemas.microsoft.com/sharepoint/v3/contenttype/forms"/>
   </ds:schemaRefs>
 </ds:datastoreItem>
 </file>
